--- a/软件架构.pptx
+++ b/软件架构.pptx
@@ -6,14 +6,15 @@
     <p:sldMasterId id="2147483785" r:id="rId2"/>
   </p:sldMasterIdLst>
   <p:notesMasterIdLst>
-    <p:notesMasterId r:id="rId5"/>
+    <p:notesMasterId r:id="rId6"/>
   </p:notesMasterIdLst>
   <p:handoutMasterIdLst>
-    <p:handoutMasterId r:id="rId6"/>
+    <p:handoutMasterId r:id="rId7"/>
   </p:handoutMasterIdLst>
   <p:sldIdLst>
     <p:sldId id="848" r:id="rId3"/>
     <p:sldId id="849" r:id="rId4"/>
+    <p:sldId id="850" r:id="rId5"/>
   </p:sldIdLst>
   <p:sldSz cx="9144000" cy="6858000" type="screen4x3"/>
   <p:notesSz cx="7010400" cy="9296400"/>
@@ -551,7 +552,7 @@
         <p:nvSpPr>
           <p:cNvPr id="35844" name="Rectangle 4"/>
           <p:cNvSpPr>
-            <a:spLocks noChangeArrowheads="1" noTextEdit="1"/>
+            <a:spLocks noGrp="1" noRot="1" noChangeAspect="1" noChangeArrowheads="1" noTextEdit="1"/>
           </p:cNvSpPr>
           <p:nvPr>
             <p:ph type="sldImg" idx="2"/>
@@ -920,7 +921,7 @@
         <p:nvSpPr>
           <p:cNvPr id="64514" name="Rectangle 2"/>
           <p:cNvSpPr>
-            <a:spLocks noChangeArrowheads="1" noTextEdit="1"/>
+            <a:spLocks noGrp="1" noRot="1" noChangeAspect="1" noChangeArrowheads="1" noTextEdit="1"/>
           </p:cNvSpPr>
           <p:nvPr>
             <p:ph type="sldImg"/>
@@ -8035,19 +8036,23 @@
               <a:buClrTx/>
             </a:pPr>
             <a:r>
+              <a:rPr lang="en-US" altLang="zh-CN" sz="3200" dirty="0" err="1" smtClean="0">
+                <a:ea typeface="宋体" charset="-122"/>
+                <a:cs typeface="Times New Roman" pitchFamily="18" charset="0"/>
+              </a:rPr>
+              <a:t>FusionMonitor</a:t>
+            </a:r>
+            <a:r>
               <a:rPr lang="en-US" altLang="zh-CN" sz="3200" dirty="0" smtClean="0">
                 <a:ea typeface="宋体" charset="-122"/>
                 <a:cs typeface="Times New Roman" pitchFamily="18" charset="0"/>
               </a:rPr>
-              <a:t>Oracle </a:t>
-            </a:r>
-            <a:r>
-              <a:rPr lang="en-US" altLang="zh-CN" sz="3200" dirty="0">
-                <a:ea typeface="宋体" charset="-122"/>
-                <a:cs typeface="Times New Roman" pitchFamily="18" charset="0"/>
-              </a:rPr>
-              <a:t>BAM Architecture</a:t>
-            </a:r>
+              <a:t> Core Architecture</a:t>
+            </a:r>
+            <a:endParaRPr lang="en-US" altLang="zh-CN" sz="3200" dirty="0">
+              <a:ea typeface="宋体" charset="-122"/>
+              <a:cs typeface="Times New Roman" pitchFamily="18" charset="0"/>
+            </a:endParaRPr>
           </a:p>
         </p:txBody>
       </p:sp>
@@ -22181,6 +22186,2017 @@
 </p:sld>
 </file>
 
+<file path=ppt/slides/slide3.xml><?xml version="1.0" encoding="utf-8"?>
+<p:sld xmlns:a="http://schemas.openxmlformats.org/drawingml/2006/main" xmlns:r="http://schemas.openxmlformats.org/officeDocument/2006/relationships" xmlns:p="http://schemas.openxmlformats.org/presentationml/2006/main">
+  <p:cSld>
+    <p:spTree>
+      <p:nvGrpSpPr>
+        <p:cNvPr id="1" name=""/>
+        <p:cNvGrpSpPr/>
+        <p:nvPr/>
+      </p:nvGrpSpPr>
+      <p:grpSpPr>
+        <a:xfrm>
+          <a:off x="0" y="0"/>
+          <a:ext cx="0" cy="0"/>
+          <a:chOff x="0" y="0"/>
+          <a:chExt cx="0" cy="0"/>
+        </a:xfrm>
+      </p:grpSpPr>
+      <p:sp>
+        <p:nvSpPr>
+          <p:cNvPr id="4" name="圆角矩形 3"/>
+          <p:cNvSpPr/>
+          <p:nvPr/>
+        </p:nvSpPr>
+        <p:spPr bwMode="auto">
+          <a:xfrm>
+            <a:off x="4338634" y="1733848"/>
+            <a:ext cx="3271842" cy="4170249"/>
+          </a:xfrm>
+          <a:prstGeom prst="roundRect">
+            <a:avLst/>
+          </a:prstGeom>
+          <a:solidFill>
+            <a:schemeClr val="accent1">
+              <a:lumMod val="40000"/>
+              <a:lumOff val="60000"/>
+            </a:schemeClr>
+          </a:solidFill>
+          <a:ln>
+            <a:noFill/>
+            <a:headEnd type="none" w="med" len="med"/>
+            <a:tailEnd type="none" w="med" len="med"/>
+          </a:ln>
+          <a:effectLst>
+            <a:outerShdw blurRad="76200" dir="13500000" sy="23000" kx="1200000" algn="br" rotWithShape="0">
+              <a:prstClr val="black">
+                <a:alpha val="20000"/>
+              </a:prstClr>
+            </a:outerShdw>
+          </a:effectLst>
+          <a:scene3d>
+            <a:camera prst="orthographicFront">
+              <a:rot lat="0" lon="0" rev="0"/>
+            </a:camera>
+            <a:lightRig rig="balanced" dir="t">
+              <a:rot lat="0" lon="0" rev="8700000"/>
+            </a:lightRig>
+          </a:scene3d>
+          <a:sp3d>
+            <a:bevelT w="190500" h="38100"/>
+          </a:sp3d>
+        </p:spPr>
+        <p:style>
+          <a:lnRef idx="1">
+            <a:schemeClr val="accent1"/>
+          </a:lnRef>
+          <a:fillRef idx="2">
+            <a:schemeClr val="accent1"/>
+          </a:fillRef>
+          <a:effectRef idx="1">
+            <a:schemeClr val="accent1"/>
+          </a:effectRef>
+          <a:fontRef idx="minor">
+            <a:schemeClr val="dk1"/>
+          </a:fontRef>
+        </p:style>
+        <p:txBody>
+          <a:bodyPr vert="horz" wrap="square" lIns="92075" tIns="46038" rIns="92075" bIns="46038" numCol="1" rtlCol="0" anchor="t" anchorCtr="0" compatLnSpc="1">
+            <a:prstTxWarp prst="textNoShape">
+              <a:avLst/>
+            </a:prstTxWarp>
+            <a:noAutofit/>
+          </a:bodyPr>
+          <a:lstStyle/>
+          <a:p>
+            <a:pPr marL="119063" marR="0" indent="-119063" algn="ctr" defTabSz="914400" rtl="0" eaLnBrk="1" fontAlgn="base" latinLnBrk="0" hangingPunct="1">
+              <a:lnSpc>
+                <a:spcPct val="90000"/>
+              </a:lnSpc>
+              <a:spcBef>
+                <a:spcPct val="50000"/>
+              </a:spcBef>
+              <a:spcAft>
+                <a:spcPct val="0"/>
+              </a:spcAft>
+              <a:buClr>
+                <a:schemeClr val="accent1"/>
+              </a:buClr>
+              <a:buSzTx/>
+              <a:buFontTx/>
+              <a:buNone/>
+              <a:tabLst/>
+            </a:pPr>
+            <a:endParaRPr kumimoji="0" lang="zh-CN" altLang="en-US" sz="2000" b="1" i="0" u="none" strike="noStrike" cap="none" normalizeH="0" baseline="0" dirty="0" smtClean="0">
+              <a:ln>
+                <a:noFill/>
+              </a:ln>
+              <a:solidFill>
+                <a:schemeClr val="tx1"/>
+              </a:solidFill>
+              <a:effectLst/>
+              <a:latin typeface="Arial" charset="0"/>
+            </a:endParaRPr>
+          </a:p>
+        </p:txBody>
+      </p:sp>
+      <p:sp>
+        <p:nvSpPr>
+          <p:cNvPr id="5" name="圆角矩形 4"/>
+          <p:cNvSpPr/>
+          <p:nvPr/>
+        </p:nvSpPr>
+        <p:spPr bwMode="auto">
+          <a:xfrm>
+            <a:off x="6226981" y="2013758"/>
+            <a:ext cx="1123087" cy="1016502"/>
+          </a:xfrm>
+          <a:prstGeom prst="roundRect">
+            <a:avLst/>
+          </a:prstGeom>
+          <a:solidFill>
+            <a:schemeClr val="accent1">
+              <a:lumMod val="75000"/>
+              <a:alpha val="53000"/>
+            </a:schemeClr>
+          </a:solidFill>
+          <a:ln>
+            <a:headEnd type="none" w="med" len="med"/>
+            <a:tailEnd type="none" w="med" len="med"/>
+          </a:ln>
+        </p:spPr>
+        <p:style>
+          <a:lnRef idx="1">
+            <a:schemeClr val="accent5"/>
+          </a:lnRef>
+          <a:fillRef idx="2">
+            <a:schemeClr val="accent5"/>
+          </a:fillRef>
+          <a:effectRef idx="1">
+            <a:schemeClr val="accent5"/>
+          </a:effectRef>
+          <a:fontRef idx="minor">
+            <a:schemeClr val="dk1"/>
+          </a:fontRef>
+        </p:style>
+        <p:txBody>
+          <a:bodyPr vert="horz" wrap="square" lIns="92075" tIns="46038" rIns="92075" bIns="46038" numCol="1" rtlCol="0" anchor="t" anchorCtr="0" compatLnSpc="1">
+            <a:prstTxWarp prst="textNoShape">
+              <a:avLst/>
+            </a:prstTxWarp>
+            <a:noAutofit/>
+          </a:bodyPr>
+          <a:lstStyle/>
+          <a:p>
+            <a:pPr marL="119063" marR="0" indent="-119063" algn="ctr" defTabSz="914400" rtl="0" eaLnBrk="1" fontAlgn="base" latinLnBrk="0" hangingPunct="1">
+              <a:lnSpc>
+                <a:spcPct val="90000"/>
+              </a:lnSpc>
+              <a:spcBef>
+                <a:spcPct val="50000"/>
+              </a:spcBef>
+              <a:spcAft>
+                <a:spcPct val="0"/>
+              </a:spcAft>
+              <a:buClr>
+                <a:schemeClr val="accent1"/>
+              </a:buClr>
+              <a:buSzTx/>
+              <a:buFontTx/>
+              <a:buNone/>
+              <a:tabLst/>
+            </a:pPr>
+            <a:r>
+              <a:rPr lang="en-US" altLang="zh-CN" dirty="0" smtClean="0">
+                <a:solidFill>
+                  <a:schemeClr val="tx1"/>
+                </a:solidFill>
+                <a:latin typeface="Arial" charset="0"/>
+              </a:rPr>
+              <a:t>	</a:t>
+            </a:r>
+            <a:r>
+              <a:rPr lang="zh-CN" altLang="en-US" dirty="0" smtClean="0">
+                <a:solidFill>
+                  <a:schemeClr val="tx1"/>
+                </a:solidFill>
+                <a:latin typeface="Arial" charset="0"/>
+              </a:rPr>
+              <a:t>数据转换</a:t>
+            </a:r>
+            <a:r>
+              <a:rPr lang="zh-CN" altLang="en-US" dirty="0">
+                <a:solidFill>
+                  <a:schemeClr val="tx1"/>
+                </a:solidFill>
+                <a:latin typeface="Arial" charset="0"/>
+              </a:rPr>
+              <a:t>核心</a:t>
+            </a:r>
+          </a:p>
+        </p:txBody>
+      </p:sp>
+      <p:sp>
+        <p:nvSpPr>
+          <p:cNvPr id="2" name="标题 1"/>
+          <p:cNvSpPr>
+            <a:spLocks noGrp="1"/>
+          </p:cNvSpPr>
+          <p:nvPr>
+            <p:ph type="title"/>
+          </p:nvPr>
+        </p:nvSpPr>
+        <p:spPr/>
+        <p:txBody>
+          <a:bodyPr/>
+          <a:lstStyle/>
+          <a:p>
+            <a:endParaRPr lang="zh-CN" altLang="en-US"/>
+          </a:p>
+        </p:txBody>
+      </p:sp>
+      <p:sp>
+        <p:nvSpPr>
+          <p:cNvPr id="6" name="圆角矩形 5"/>
+          <p:cNvSpPr/>
+          <p:nvPr/>
+        </p:nvSpPr>
+        <p:spPr bwMode="auto">
+          <a:xfrm>
+            <a:off x="6200198" y="3383868"/>
+            <a:ext cx="1149870" cy="1022267"/>
+          </a:xfrm>
+          <a:prstGeom prst="roundRect">
+            <a:avLst/>
+          </a:prstGeom>
+          <a:solidFill>
+            <a:schemeClr val="accent1">
+              <a:lumMod val="75000"/>
+            </a:schemeClr>
+          </a:solidFill>
+          <a:ln>
+            <a:headEnd type="none" w="med" len="med"/>
+            <a:tailEnd type="none" w="med" len="med"/>
+          </a:ln>
+        </p:spPr>
+        <p:style>
+          <a:lnRef idx="1">
+            <a:schemeClr val="accent5"/>
+          </a:lnRef>
+          <a:fillRef idx="2">
+            <a:schemeClr val="accent5"/>
+          </a:fillRef>
+          <a:effectRef idx="1">
+            <a:schemeClr val="accent5"/>
+          </a:effectRef>
+          <a:fontRef idx="minor">
+            <a:schemeClr val="dk1"/>
+          </a:fontRef>
+        </p:style>
+        <p:txBody>
+          <a:bodyPr vert="horz" wrap="square" lIns="92075" tIns="46038" rIns="92075" bIns="46038" numCol="1" rtlCol="0" anchor="t" anchorCtr="0" compatLnSpc="1">
+            <a:prstTxWarp prst="textNoShape">
+              <a:avLst/>
+            </a:prstTxWarp>
+            <a:spAutoFit/>
+          </a:bodyPr>
+          <a:lstStyle/>
+          <a:p>
+            <a:pPr marL="119063" marR="0" indent="-119063" algn="ctr" defTabSz="914400" rtl="0" eaLnBrk="1" fontAlgn="base" latinLnBrk="0" hangingPunct="1">
+              <a:lnSpc>
+                <a:spcPct val="90000"/>
+              </a:lnSpc>
+              <a:spcBef>
+                <a:spcPct val="50000"/>
+              </a:spcBef>
+              <a:spcAft>
+                <a:spcPct val="0"/>
+              </a:spcAft>
+              <a:buClr>
+                <a:schemeClr val="accent1"/>
+              </a:buClr>
+              <a:buSzTx/>
+              <a:buFontTx/>
+              <a:buNone/>
+              <a:tabLst/>
+            </a:pPr>
+            <a:r>
+              <a:rPr lang="en-US" altLang="zh-CN" dirty="0" smtClean="0">
+                <a:solidFill>
+                  <a:schemeClr val="tx1"/>
+                </a:solidFill>
+                <a:latin typeface="Arial" charset="0"/>
+              </a:rPr>
+              <a:t>	</a:t>
+            </a:r>
+            <a:r>
+              <a:rPr lang="zh-CN" altLang="en-US" dirty="0" smtClean="0">
+                <a:solidFill>
+                  <a:schemeClr val="tx1"/>
+                </a:solidFill>
+                <a:latin typeface="Arial" charset="0"/>
+              </a:rPr>
+              <a:t>实时展示核心</a:t>
+            </a:r>
+            <a:endParaRPr kumimoji="0" lang="zh-CN" altLang="en-US" sz="2000" b="1" i="0" u="none" strike="noStrike" cap="none" normalizeH="0" baseline="0" dirty="0" smtClean="0">
+              <a:ln>
+                <a:noFill/>
+              </a:ln>
+              <a:solidFill>
+                <a:schemeClr val="tx1"/>
+              </a:solidFill>
+              <a:effectLst/>
+              <a:latin typeface="Arial" charset="0"/>
+            </a:endParaRPr>
+          </a:p>
+        </p:txBody>
+      </p:sp>
+      <p:sp>
+        <p:nvSpPr>
+          <p:cNvPr id="7" name="TextBox 6"/>
+          <p:cNvSpPr txBox="1"/>
+          <p:nvPr/>
+        </p:nvSpPr>
+        <p:spPr>
+          <a:xfrm>
+            <a:off x="4992605" y="2279443"/>
+            <a:ext cx="1207593" cy="1638311"/>
+          </a:xfrm>
+          <a:prstGeom prst="rect">
+            <a:avLst/>
+          </a:prstGeom>
+          <a:solidFill>
+            <a:schemeClr val="accent1">
+              <a:lumMod val="40000"/>
+              <a:lumOff val="60000"/>
+            </a:schemeClr>
+          </a:solidFill>
+        </p:spPr>
+        <p:txBody>
+          <a:bodyPr wrap="none" rtlCol="0">
+            <a:spAutoFit/>
+          </a:bodyPr>
+          <a:lstStyle/>
+          <a:p>
+            <a:pPr marL="119063" indent="-119063"/>
+            <a:r>
+              <a:rPr lang="en-US" altLang="zh-CN" dirty="0"/>
+              <a:t>Fusion </a:t>
+            </a:r>
+          </a:p>
+          <a:p>
+            <a:pPr marL="119063" indent="-119063"/>
+            <a:r>
+              <a:rPr lang="en-US" altLang="zh-CN" dirty="0"/>
+              <a:t>Monitor</a:t>
+            </a:r>
+          </a:p>
+          <a:p>
+            <a:pPr marL="119063" indent="-119063"/>
+            <a:r>
+              <a:rPr lang="en-US" altLang="zh-CN" dirty="0" smtClean="0"/>
+              <a:t>Platform</a:t>
+            </a:r>
+            <a:endParaRPr lang="zh-CN" altLang="en-US" dirty="0"/>
+          </a:p>
+        </p:txBody>
+      </p:sp>
+      <p:sp>
+        <p:nvSpPr>
+          <p:cNvPr id="11" name="流程图: 可选过程 10"/>
+          <p:cNvSpPr/>
+          <p:nvPr/>
+        </p:nvSpPr>
+        <p:spPr bwMode="auto">
+          <a:xfrm>
+            <a:off x="171450" y="2049452"/>
+            <a:ext cx="1224222" cy="838387"/>
+          </a:xfrm>
+          <a:prstGeom prst="flowChartAlternateProcess">
+            <a:avLst/>
+          </a:prstGeom>
+          <a:solidFill>
+            <a:srgbClr val="00B050"/>
+          </a:solidFill>
+          <a:ln>
+            <a:noFill/>
+            <a:headEnd type="none" w="med" len="med"/>
+            <a:tailEnd type="none" w="med" len="med"/>
+          </a:ln>
+          <a:effectLst>
+            <a:outerShdw blurRad="76200" dir="13500000" sy="23000" kx="1200000" algn="br" rotWithShape="0">
+              <a:prstClr val="black">
+                <a:alpha val="20000"/>
+              </a:prstClr>
+            </a:outerShdw>
+          </a:effectLst>
+          <a:scene3d>
+            <a:camera prst="orthographicFront">
+              <a:rot lat="0" lon="0" rev="0"/>
+            </a:camera>
+            <a:lightRig rig="balanced" dir="t">
+              <a:rot lat="0" lon="0" rev="8700000"/>
+            </a:lightRig>
+          </a:scene3d>
+          <a:sp3d>
+            <a:bevelT w="190500" h="38100"/>
+          </a:sp3d>
+        </p:spPr>
+        <p:style>
+          <a:lnRef idx="2">
+            <a:schemeClr val="accent3">
+              <a:shade val="50000"/>
+            </a:schemeClr>
+          </a:lnRef>
+          <a:fillRef idx="1">
+            <a:schemeClr val="accent3"/>
+          </a:fillRef>
+          <a:effectRef idx="0">
+            <a:schemeClr val="accent3"/>
+          </a:effectRef>
+          <a:fontRef idx="minor">
+            <a:schemeClr val="lt1"/>
+          </a:fontRef>
+        </p:style>
+        <p:txBody>
+          <a:bodyPr vert="horz" wrap="square" lIns="92075" tIns="46038" rIns="92075" bIns="46038" numCol="1" rtlCol="0" anchor="t" anchorCtr="0" compatLnSpc="1">
+            <a:prstTxWarp prst="textNoShape">
+              <a:avLst/>
+            </a:prstTxWarp>
+            <a:spAutoFit/>
+          </a:bodyPr>
+          <a:lstStyle/>
+          <a:p>
+            <a:pPr marL="119063" marR="0" indent="-119063" algn="ctr" defTabSz="914400" rtl="0" eaLnBrk="1" fontAlgn="base" latinLnBrk="0" hangingPunct="1">
+              <a:lnSpc>
+                <a:spcPct val="90000"/>
+              </a:lnSpc>
+              <a:spcBef>
+                <a:spcPct val="50000"/>
+              </a:spcBef>
+              <a:spcAft>
+                <a:spcPct val="0"/>
+              </a:spcAft>
+              <a:buClr>
+                <a:schemeClr val="accent1"/>
+              </a:buClr>
+              <a:buSzTx/>
+              <a:buFontTx/>
+              <a:buNone/>
+              <a:tabLst/>
+            </a:pPr>
+            <a:r>
+              <a:rPr kumimoji="0" lang="zh-CN" altLang="en-US" sz="1600" b="0" i="0" u="none" strike="noStrike" cap="none" normalizeH="0" baseline="0" dirty="0" smtClean="0">
+                <a:ln>
+                  <a:noFill/>
+                </a:ln>
+                <a:solidFill>
+                  <a:schemeClr val="tx1"/>
+                </a:solidFill>
+                <a:effectLst/>
+                <a:latin typeface="Arial" charset="0"/>
+              </a:rPr>
+              <a:t>应用提供格式日志输入</a:t>
+            </a:r>
+            <a:endParaRPr kumimoji="0" lang="zh-CN" altLang="en-US" sz="1600" b="0" i="0" u="none" strike="noStrike" cap="none" normalizeH="0" baseline="0" dirty="0" smtClean="0">
+              <a:ln>
+                <a:noFill/>
+              </a:ln>
+              <a:solidFill>
+                <a:schemeClr val="tx1"/>
+              </a:solidFill>
+              <a:effectLst/>
+              <a:latin typeface="Arial" charset="0"/>
+            </a:endParaRPr>
+          </a:p>
+        </p:txBody>
+      </p:sp>
+      <p:cxnSp>
+        <p:nvCxnSpPr>
+          <p:cNvPr id="13" name="肘形连接符 12"/>
+          <p:cNvCxnSpPr>
+            <a:endCxn id="11" idx="3"/>
+          </p:cNvCxnSpPr>
+          <p:nvPr/>
+        </p:nvCxnSpPr>
+        <p:spPr bwMode="auto">
+          <a:xfrm rot="10800000">
+            <a:off x="1395673" y="2468646"/>
+            <a:ext cx="2942991" cy="91952"/>
+          </a:xfrm>
+          <a:prstGeom prst="bentConnector3">
+            <a:avLst/>
+          </a:prstGeom>
+          <a:noFill/>
+          <a:ln w="9525" cap="flat" cmpd="sng" algn="ctr">
+            <a:solidFill>
+              <a:schemeClr val="tx1"/>
+            </a:solidFill>
+            <a:prstDash val="solid"/>
+            <a:round/>
+            <a:headEnd type="arrow" w="med" len="med"/>
+            <a:tailEnd type="none"/>
+          </a:ln>
+          <a:effectLst/>
+        </p:spPr>
+      </p:cxnSp>
+      <p:sp>
+        <p:nvSpPr>
+          <p:cNvPr id="14" name="TextBox 13"/>
+          <p:cNvSpPr txBox="1"/>
+          <p:nvPr/>
+        </p:nvSpPr>
+        <p:spPr>
+          <a:xfrm>
+            <a:off x="1395672" y="2103209"/>
+            <a:ext cx="1641539" cy="286232"/>
+          </a:xfrm>
+          <a:prstGeom prst="rect">
+            <a:avLst/>
+          </a:prstGeom>
+          <a:noFill/>
+          <a:ln>
+            <a:noFill/>
+          </a:ln>
+          <a:effectLst>
+            <a:outerShdw blurRad="57785" dist="33020" dir="3180000" algn="ctr">
+              <a:srgbClr val="000000">
+                <a:alpha val="30000"/>
+              </a:srgbClr>
+            </a:outerShdw>
+          </a:effectLst>
+          <a:scene3d>
+            <a:camera prst="orthographicFront">
+              <a:rot lat="0" lon="0" rev="0"/>
+            </a:camera>
+            <a:lightRig rig="brightRoom" dir="t">
+              <a:rot lat="0" lon="0" rev="600000"/>
+            </a:lightRig>
+          </a:scene3d>
+          <a:sp3d prstMaterial="metal">
+            <a:bevelT w="38100" h="57150" prst="angle"/>
+          </a:sp3d>
+        </p:spPr>
+        <p:txBody>
+          <a:bodyPr wrap="none" rtlCol="0">
+            <a:spAutoFit/>
+          </a:bodyPr>
+          <a:lstStyle/>
+          <a:p>
+            <a:r>
+              <a:rPr lang="en-US" altLang="zh-CN" sz="1400" b="0" dirty="0" smtClean="0"/>
+              <a:t>JMS/WTC/Tuxedo</a:t>
+            </a:r>
+            <a:endParaRPr lang="zh-CN" altLang="en-US" sz="1400" b="0" dirty="0"/>
+          </a:p>
+        </p:txBody>
+      </p:sp>
+      <p:pic>
+        <p:nvPicPr>
+          <p:cNvPr id="1026" name="Picture 2" descr="https://encrypted-tbn0.gstatic.com/images?q=tbn:ANd9GcT8-_lwfNXlOwmrTVkgAhRssHbL7UvUd6gB3u7pZJrzsQPzHrDo"/>
+          <p:cNvPicPr>
+            <a:picLocks noChangeAspect="1" noChangeArrowheads="1"/>
+          </p:cNvPicPr>
+          <p:nvPr/>
+        </p:nvPicPr>
+        <p:blipFill>
+          <a:blip r:embed="rId2">
+            <a:extLst>
+              <a:ext uri="{28A0092B-C50C-407E-A947-70E740481C1C}">
+                <a14:useLocalDpi xmlns:a14="http://schemas.microsoft.com/office/drawing/2010/main" val="0"/>
+              </a:ext>
+            </a:extLst>
+          </a:blip>
+          <a:srcRect/>
+          <a:stretch>
+            <a:fillRect/>
+          </a:stretch>
+        </p:blipFill>
+        <p:spPr bwMode="auto">
+          <a:xfrm>
+            <a:off x="7738390" y="2278305"/>
+            <a:ext cx="1405610" cy="1036638"/>
+          </a:xfrm>
+          <a:prstGeom prst="rect">
+            <a:avLst/>
+          </a:prstGeom>
+          <a:noFill/>
+          <a:effectLst>
+            <a:outerShdw blurRad="50800" dist="38100" dir="8100000" algn="tr" rotWithShape="0">
+              <a:prstClr val="black">
+                <a:alpha val="40000"/>
+              </a:prstClr>
+            </a:outerShdw>
+          </a:effectLst>
+          <a:extLst>
+            <a:ext uri="{909E8E84-426E-40DD-AFC4-6F175D3DCCD1}">
+              <a14:hiddenFill xmlns:a14="http://schemas.microsoft.com/office/drawing/2010/main">
+                <a:solidFill>
+                  <a:srgbClr val="FFFFFF"/>
+                </a:solidFill>
+              </a14:hiddenFill>
+            </a:ext>
+          </a:extLst>
+        </p:spPr>
+      </p:pic>
+      <p:sp>
+        <p:nvSpPr>
+          <p:cNvPr id="17" name="流程图: 可选过程 16"/>
+          <p:cNvSpPr/>
+          <p:nvPr/>
+        </p:nvSpPr>
+        <p:spPr bwMode="auto">
+          <a:xfrm>
+            <a:off x="171450" y="3139525"/>
+            <a:ext cx="1224222" cy="409333"/>
+          </a:xfrm>
+          <a:prstGeom prst="flowChartAlternateProcess">
+            <a:avLst/>
+          </a:prstGeom>
+          <a:solidFill>
+            <a:srgbClr val="00B050"/>
+          </a:solidFill>
+          <a:ln>
+            <a:noFill/>
+            <a:headEnd type="none" w="med" len="med"/>
+            <a:tailEnd type="none" w="med" len="med"/>
+          </a:ln>
+          <a:effectLst>
+            <a:outerShdw blurRad="76200" dir="13500000" sy="23000" kx="1200000" algn="br" rotWithShape="0">
+              <a:prstClr val="black">
+                <a:alpha val="20000"/>
+              </a:prstClr>
+            </a:outerShdw>
+          </a:effectLst>
+          <a:scene3d>
+            <a:camera prst="orthographicFront">
+              <a:rot lat="0" lon="0" rev="0"/>
+            </a:camera>
+            <a:lightRig rig="balanced" dir="t">
+              <a:rot lat="0" lon="0" rev="8700000"/>
+            </a:lightRig>
+          </a:scene3d>
+          <a:sp3d>
+            <a:bevelT w="190500" h="38100"/>
+          </a:sp3d>
+        </p:spPr>
+        <p:style>
+          <a:lnRef idx="2">
+            <a:schemeClr val="accent3">
+              <a:shade val="50000"/>
+            </a:schemeClr>
+          </a:lnRef>
+          <a:fillRef idx="1">
+            <a:schemeClr val="accent3"/>
+          </a:fillRef>
+          <a:effectRef idx="0">
+            <a:schemeClr val="accent3"/>
+          </a:effectRef>
+          <a:fontRef idx="minor">
+            <a:schemeClr val="lt1"/>
+          </a:fontRef>
+        </p:style>
+        <p:txBody>
+          <a:bodyPr vert="horz" wrap="square" lIns="92075" tIns="46038" rIns="92075" bIns="46038" numCol="1" rtlCol="0" anchor="t" anchorCtr="0" compatLnSpc="1">
+            <a:prstTxWarp prst="textNoShape">
+              <a:avLst/>
+            </a:prstTxWarp>
+            <a:spAutoFit/>
+          </a:bodyPr>
+          <a:lstStyle/>
+          <a:p>
+            <a:pPr marL="119063" marR="0" indent="-119063" algn="ctr" defTabSz="914400" rtl="0" eaLnBrk="1" fontAlgn="base" latinLnBrk="0" hangingPunct="1">
+              <a:lnSpc>
+                <a:spcPct val="90000"/>
+              </a:lnSpc>
+              <a:spcBef>
+                <a:spcPct val="50000"/>
+              </a:spcBef>
+              <a:spcAft>
+                <a:spcPct val="0"/>
+              </a:spcAft>
+              <a:buClr>
+                <a:schemeClr val="accent1"/>
+              </a:buClr>
+              <a:buSzTx/>
+              <a:buFontTx/>
+              <a:buNone/>
+              <a:tabLst/>
+            </a:pPr>
+            <a:r>
+              <a:rPr lang="en-US" altLang="zh-CN" b="0" dirty="0" smtClean="0">
+                <a:solidFill>
+                  <a:schemeClr val="tx1"/>
+                </a:solidFill>
+                <a:latin typeface="Arial" charset="0"/>
+              </a:rPr>
+              <a:t>Tuxedo</a:t>
+            </a:r>
+            <a:endParaRPr kumimoji="0" lang="zh-CN" altLang="en-US" sz="2000" b="0" i="0" u="none" strike="noStrike" cap="none" normalizeH="0" baseline="0" dirty="0" smtClean="0">
+              <a:ln>
+                <a:noFill/>
+              </a:ln>
+              <a:solidFill>
+                <a:schemeClr val="tx1"/>
+              </a:solidFill>
+              <a:effectLst/>
+              <a:latin typeface="Arial" charset="0"/>
+            </a:endParaRPr>
+          </a:p>
+        </p:txBody>
+      </p:sp>
+      <p:cxnSp>
+        <p:nvCxnSpPr>
+          <p:cNvPr id="18" name="肘形连接符 17"/>
+          <p:cNvCxnSpPr>
+            <a:stCxn id="17" idx="3"/>
+          </p:cNvCxnSpPr>
+          <p:nvPr/>
+        </p:nvCxnSpPr>
+        <p:spPr bwMode="auto">
+          <a:xfrm flipV="1">
+            <a:off x="1395672" y="2771775"/>
+            <a:ext cx="2942961" cy="572417"/>
+          </a:xfrm>
+          <a:prstGeom prst="bentConnector3">
+            <a:avLst/>
+          </a:prstGeom>
+          <a:noFill/>
+          <a:ln w="9525" cap="flat" cmpd="sng" algn="ctr">
+            <a:solidFill>
+              <a:schemeClr val="tx1"/>
+            </a:solidFill>
+            <a:prstDash val="solid"/>
+            <a:round/>
+            <a:headEnd type="none" w="med" len="med"/>
+            <a:tailEnd type="arrow"/>
+          </a:ln>
+          <a:effectLst/>
+        </p:spPr>
+      </p:cxnSp>
+      <p:sp>
+        <p:nvSpPr>
+          <p:cNvPr id="19" name="TextBox 18"/>
+          <p:cNvSpPr txBox="1"/>
+          <p:nvPr/>
+        </p:nvSpPr>
+        <p:spPr>
+          <a:xfrm>
+            <a:off x="1433764" y="3030260"/>
+            <a:ext cx="1497526" cy="313932"/>
+          </a:xfrm>
+          <a:prstGeom prst="rect">
+            <a:avLst/>
+          </a:prstGeom>
+          <a:noFill/>
+          <a:ln>
+            <a:noFill/>
+          </a:ln>
+          <a:effectLst>
+            <a:outerShdw blurRad="57785" dist="33020" dir="3180000" algn="ctr">
+              <a:srgbClr val="000000">
+                <a:alpha val="30000"/>
+              </a:srgbClr>
+            </a:outerShdw>
+          </a:effectLst>
+          <a:scene3d>
+            <a:camera prst="orthographicFront">
+              <a:rot lat="0" lon="0" rev="0"/>
+            </a:camera>
+            <a:lightRig rig="brightRoom" dir="t">
+              <a:rot lat="0" lon="0" rev="600000"/>
+            </a:lightRig>
+          </a:scene3d>
+          <a:sp3d prstMaterial="metal">
+            <a:bevelT w="38100" h="57150" prst="angle"/>
+          </a:sp3d>
+        </p:spPr>
+        <p:txBody>
+          <a:bodyPr wrap="none" rtlCol="0">
+            <a:spAutoFit/>
+          </a:bodyPr>
+          <a:lstStyle/>
+          <a:p>
+            <a:r>
+              <a:rPr lang="en-US" altLang="zh-CN" sz="1600" b="0" dirty="0"/>
+              <a:t>.</a:t>
+            </a:r>
+            <a:r>
+              <a:rPr lang="en-US" altLang="zh-CN" sz="1400" b="0" dirty="0" smtClean="0"/>
+              <a:t>TMIB -</a:t>
+            </a:r>
+            <a:r>
+              <a:rPr lang="zh-CN" altLang="en-US" sz="1400" b="0" dirty="0" smtClean="0"/>
+              <a:t>统计信息</a:t>
+            </a:r>
+            <a:endParaRPr lang="zh-CN" altLang="en-US" sz="1600" b="0" dirty="0"/>
+          </a:p>
+        </p:txBody>
+      </p:sp>
+      <p:sp>
+        <p:nvSpPr>
+          <p:cNvPr id="21" name="流程图: 可选过程 20"/>
+          <p:cNvSpPr/>
+          <p:nvPr/>
+        </p:nvSpPr>
+        <p:spPr bwMode="auto">
+          <a:xfrm>
+            <a:off x="171450" y="3701258"/>
+            <a:ext cx="1224222" cy="409333"/>
+          </a:xfrm>
+          <a:prstGeom prst="flowChartAlternateProcess">
+            <a:avLst/>
+          </a:prstGeom>
+          <a:solidFill>
+            <a:srgbClr val="00B050"/>
+          </a:solidFill>
+          <a:ln>
+            <a:noFill/>
+            <a:headEnd type="none" w="med" len="med"/>
+            <a:tailEnd type="none" w="med" len="med"/>
+          </a:ln>
+          <a:effectLst>
+            <a:outerShdw blurRad="76200" dir="13500000" sy="23000" kx="1200000" algn="br" rotWithShape="0">
+              <a:prstClr val="black">
+                <a:alpha val="20000"/>
+              </a:prstClr>
+            </a:outerShdw>
+          </a:effectLst>
+          <a:scene3d>
+            <a:camera prst="orthographicFront">
+              <a:rot lat="0" lon="0" rev="0"/>
+            </a:camera>
+            <a:lightRig rig="balanced" dir="t">
+              <a:rot lat="0" lon="0" rev="8700000"/>
+            </a:lightRig>
+          </a:scene3d>
+          <a:sp3d>
+            <a:bevelT w="190500" h="38100"/>
+          </a:sp3d>
+        </p:spPr>
+        <p:style>
+          <a:lnRef idx="2">
+            <a:schemeClr val="accent3">
+              <a:shade val="50000"/>
+            </a:schemeClr>
+          </a:lnRef>
+          <a:fillRef idx="1">
+            <a:schemeClr val="accent3"/>
+          </a:fillRef>
+          <a:effectRef idx="0">
+            <a:schemeClr val="accent3"/>
+          </a:effectRef>
+          <a:fontRef idx="minor">
+            <a:schemeClr val="lt1"/>
+          </a:fontRef>
+        </p:style>
+        <p:txBody>
+          <a:bodyPr vert="horz" wrap="square" lIns="92075" tIns="46038" rIns="92075" bIns="46038" numCol="1" rtlCol="0" anchor="t" anchorCtr="0" compatLnSpc="1">
+            <a:prstTxWarp prst="textNoShape">
+              <a:avLst/>
+            </a:prstTxWarp>
+            <a:spAutoFit/>
+          </a:bodyPr>
+          <a:lstStyle/>
+          <a:p>
+            <a:pPr marL="119063" marR="0" indent="-119063" algn="ctr" defTabSz="914400" rtl="0" eaLnBrk="1" fontAlgn="base" latinLnBrk="0" hangingPunct="1">
+              <a:lnSpc>
+                <a:spcPct val="90000"/>
+              </a:lnSpc>
+              <a:spcBef>
+                <a:spcPct val="50000"/>
+              </a:spcBef>
+              <a:spcAft>
+                <a:spcPct val="0"/>
+              </a:spcAft>
+              <a:buClr>
+                <a:schemeClr val="accent1"/>
+              </a:buClr>
+              <a:buSzTx/>
+              <a:buFontTx/>
+              <a:buNone/>
+              <a:tabLst/>
+            </a:pPr>
+            <a:r>
+              <a:rPr lang="en-US" altLang="zh-CN" b="0" dirty="0" smtClean="0">
+                <a:solidFill>
+                  <a:schemeClr val="tx1"/>
+                </a:solidFill>
+                <a:latin typeface="Arial" charset="0"/>
+              </a:rPr>
+              <a:t>WLS</a:t>
+            </a:r>
+            <a:endParaRPr kumimoji="0" lang="zh-CN" altLang="en-US" sz="2000" b="0" i="0" u="none" strike="noStrike" cap="none" normalizeH="0" baseline="0" dirty="0" smtClean="0">
+              <a:ln>
+                <a:noFill/>
+              </a:ln>
+              <a:solidFill>
+                <a:schemeClr val="tx1"/>
+              </a:solidFill>
+              <a:effectLst/>
+              <a:latin typeface="Arial" charset="0"/>
+            </a:endParaRPr>
+          </a:p>
+        </p:txBody>
+      </p:sp>
+      <p:cxnSp>
+        <p:nvCxnSpPr>
+          <p:cNvPr id="22" name="肘形连接符 21"/>
+          <p:cNvCxnSpPr>
+            <a:stCxn id="21" idx="3"/>
+          </p:cNvCxnSpPr>
+          <p:nvPr/>
+        </p:nvCxnSpPr>
+        <p:spPr bwMode="auto">
+          <a:xfrm flipV="1">
+            <a:off x="1395672" y="3139525"/>
+            <a:ext cx="2942961" cy="766400"/>
+          </a:xfrm>
+          <a:prstGeom prst="bentConnector3">
+            <a:avLst>
+              <a:gd name="adj1" fmla="val 63917"/>
+            </a:avLst>
+          </a:prstGeom>
+          <a:noFill/>
+          <a:ln w="9525" cap="flat" cmpd="sng" algn="ctr">
+            <a:solidFill>
+              <a:schemeClr val="tx1"/>
+            </a:solidFill>
+            <a:prstDash val="solid"/>
+            <a:round/>
+            <a:headEnd type="none" w="med" len="med"/>
+            <a:tailEnd type="arrow"/>
+          </a:ln>
+          <a:effectLst/>
+        </p:spPr>
+      </p:cxnSp>
+      <p:sp>
+        <p:nvSpPr>
+          <p:cNvPr id="23" name="TextBox 22"/>
+          <p:cNvSpPr txBox="1"/>
+          <p:nvPr/>
+        </p:nvSpPr>
+        <p:spPr>
+          <a:xfrm>
+            <a:off x="1403687" y="3591993"/>
+            <a:ext cx="1422184" cy="313932"/>
+          </a:xfrm>
+          <a:prstGeom prst="rect">
+            <a:avLst/>
+          </a:prstGeom>
+          <a:noFill/>
+          <a:ln>
+            <a:noFill/>
+          </a:ln>
+          <a:effectLst>
+            <a:outerShdw blurRad="57785" dist="33020" dir="3180000" algn="ctr">
+              <a:srgbClr val="000000">
+                <a:alpha val="30000"/>
+              </a:srgbClr>
+            </a:outerShdw>
+          </a:effectLst>
+          <a:scene3d>
+            <a:camera prst="orthographicFront">
+              <a:rot lat="0" lon="0" rev="0"/>
+            </a:camera>
+            <a:lightRig rig="brightRoom" dir="t">
+              <a:rot lat="0" lon="0" rev="600000"/>
+            </a:lightRig>
+          </a:scene3d>
+          <a:sp3d prstMaterial="metal">
+            <a:bevelT w="38100" h="57150" prst="angle"/>
+          </a:sp3d>
+        </p:spPr>
+        <p:txBody>
+          <a:bodyPr wrap="none" rtlCol="0">
+            <a:spAutoFit/>
+          </a:bodyPr>
+          <a:lstStyle/>
+          <a:p>
+            <a:r>
+              <a:rPr lang="en-US" altLang="zh-CN" sz="1600" b="0" dirty="0" smtClean="0"/>
+              <a:t>JMX</a:t>
+            </a:r>
+            <a:r>
+              <a:rPr lang="en-US" altLang="zh-CN" sz="1400" b="0" dirty="0" smtClean="0"/>
+              <a:t> -</a:t>
+            </a:r>
+            <a:r>
+              <a:rPr lang="zh-CN" altLang="en-US" sz="1400" b="0" dirty="0" smtClean="0"/>
+              <a:t>统计信息</a:t>
+            </a:r>
+            <a:endParaRPr lang="zh-CN" altLang="en-US" sz="1600" b="0" dirty="0"/>
+          </a:p>
+        </p:txBody>
+      </p:sp>
+      <p:sp>
+        <p:nvSpPr>
+          <p:cNvPr id="24" name="流程图: 可选过程 23"/>
+          <p:cNvSpPr/>
+          <p:nvPr/>
+        </p:nvSpPr>
+        <p:spPr bwMode="auto">
+          <a:xfrm>
+            <a:off x="171450" y="4281907"/>
+            <a:ext cx="1224222" cy="409333"/>
+          </a:xfrm>
+          <a:prstGeom prst="flowChartAlternateProcess">
+            <a:avLst/>
+          </a:prstGeom>
+          <a:solidFill>
+            <a:srgbClr val="00B050"/>
+          </a:solidFill>
+          <a:ln>
+            <a:noFill/>
+            <a:headEnd type="none" w="med" len="med"/>
+            <a:tailEnd type="none" w="med" len="med"/>
+          </a:ln>
+          <a:effectLst>
+            <a:outerShdw blurRad="76200" dir="13500000" sy="23000" kx="1200000" algn="br" rotWithShape="0">
+              <a:prstClr val="black">
+                <a:alpha val="20000"/>
+              </a:prstClr>
+            </a:outerShdw>
+          </a:effectLst>
+          <a:scene3d>
+            <a:camera prst="orthographicFront">
+              <a:rot lat="0" lon="0" rev="0"/>
+            </a:camera>
+            <a:lightRig rig="balanced" dir="t">
+              <a:rot lat="0" lon="0" rev="8700000"/>
+            </a:lightRig>
+          </a:scene3d>
+          <a:sp3d>
+            <a:bevelT w="190500" h="38100"/>
+          </a:sp3d>
+        </p:spPr>
+        <p:style>
+          <a:lnRef idx="2">
+            <a:schemeClr val="accent3">
+              <a:shade val="50000"/>
+            </a:schemeClr>
+          </a:lnRef>
+          <a:fillRef idx="1">
+            <a:schemeClr val="accent3"/>
+          </a:fillRef>
+          <a:effectRef idx="0">
+            <a:schemeClr val="accent3"/>
+          </a:effectRef>
+          <a:fontRef idx="minor">
+            <a:schemeClr val="lt1"/>
+          </a:fontRef>
+        </p:style>
+        <p:txBody>
+          <a:bodyPr vert="horz" wrap="square" lIns="92075" tIns="46038" rIns="92075" bIns="46038" numCol="1" rtlCol="0" anchor="t" anchorCtr="0" compatLnSpc="1">
+            <a:prstTxWarp prst="textNoShape">
+              <a:avLst/>
+            </a:prstTxWarp>
+            <a:spAutoFit/>
+          </a:bodyPr>
+          <a:lstStyle/>
+          <a:p>
+            <a:pPr marL="119063" marR="0" indent="-119063" algn="ctr" defTabSz="914400" rtl="0" eaLnBrk="1" fontAlgn="base" latinLnBrk="0" hangingPunct="1">
+              <a:lnSpc>
+                <a:spcPct val="90000"/>
+              </a:lnSpc>
+              <a:spcBef>
+                <a:spcPct val="50000"/>
+              </a:spcBef>
+              <a:spcAft>
+                <a:spcPct val="0"/>
+              </a:spcAft>
+              <a:buClr>
+                <a:schemeClr val="accent1"/>
+              </a:buClr>
+              <a:buSzTx/>
+              <a:buFontTx/>
+              <a:buNone/>
+              <a:tabLst/>
+            </a:pPr>
+            <a:r>
+              <a:rPr lang="zh-CN" altLang="en-US" b="0" dirty="0">
+                <a:solidFill>
+                  <a:schemeClr val="tx1"/>
+                </a:solidFill>
+                <a:latin typeface="Arial" charset="0"/>
+              </a:rPr>
+              <a:t>主机</a:t>
+            </a:r>
+            <a:endParaRPr kumimoji="0" lang="zh-CN" altLang="en-US" sz="2000" b="0" i="0" u="none" strike="noStrike" cap="none" normalizeH="0" baseline="0" dirty="0" smtClean="0">
+              <a:ln>
+                <a:noFill/>
+              </a:ln>
+              <a:solidFill>
+                <a:schemeClr val="tx1"/>
+              </a:solidFill>
+              <a:effectLst/>
+              <a:latin typeface="Arial" charset="0"/>
+            </a:endParaRPr>
+          </a:p>
+        </p:txBody>
+      </p:sp>
+      <p:cxnSp>
+        <p:nvCxnSpPr>
+          <p:cNvPr id="25" name="肘形连接符 24"/>
+          <p:cNvCxnSpPr>
+            <a:stCxn id="24" idx="3"/>
+          </p:cNvCxnSpPr>
+          <p:nvPr/>
+        </p:nvCxnSpPr>
+        <p:spPr bwMode="auto">
+          <a:xfrm flipV="1">
+            <a:off x="1395672" y="3522725"/>
+            <a:ext cx="2942961" cy="963849"/>
+          </a:xfrm>
+          <a:prstGeom prst="bentConnector3">
+            <a:avLst>
+              <a:gd name="adj1" fmla="val 76540"/>
+            </a:avLst>
+          </a:prstGeom>
+          <a:noFill/>
+          <a:ln w="9525" cap="flat" cmpd="sng" algn="ctr">
+            <a:solidFill>
+              <a:schemeClr val="tx1"/>
+            </a:solidFill>
+            <a:prstDash val="solid"/>
+            <a:round/>
+            <a:headEnd type="none" w="med" len="med"/>
+            <a:tailEnd type="arrow"/>
+          </a:ln>
+          <a:effectLst/>
+        </p:spPr>
+      </p:cxnSp>
+      <p:sp>
+        <p:nvSpPr>
+          <p:cNvPr id="26" name="TextBox 25"/>
+          <p:cNvSpPr txBox="1"/>
+          <p:nvPr/>
+        </p:nvSpPr>
+        <p:spPr>
+          <a:xfrm>
+            <a:off x="1479701" y="4186012"/>
+            <a:ext cx="1885453" cy="313932"/>
+          </a:xfrm>
+          <a:prstGeom prst="rect">
+            <a:avLst/>
+          </a:prstGeom>
+          <a:noFill/>
+          <a:ln>
+            <a:noFill/>
+          </a:ln>
+          <a:effectLst>
+            <a:outerShdw blurRad="57785" dist="33020" dir="3180000" algn="ctr">
+              <a:srgbClr val="000000">
+                <a:alpha val="30000"/>
+              </a:srgbClr>
+            </a:outerShdw>
+          </a:effectLst>
+          <a:scene3d>
+            <a:camera prst="orthographicFront">
+              <a:rot lat="0" lon="0" rev="0"/>
+            </a:camera>
+            <a:lightRig rig="brightRoom" dir="t">
+              <a:rot lat="0" lon="0" rev="600000"/>
+            </a:lightRig>
+          </a:scene3d>
+          <a:sp3d prstMaterial="metal">
+            <a:bevelT w="38100" h="57150" prst="angle"/>
+          </a:sp3d>
+        </p:spPr>
+        <p:txBody>
+          <a:bodyPr wrap="none" rtlCol="0">
+            <a:spAutoFit/>
+          </a:bodyPr>
+          <a:lstStyle/>
+          <a:p>
+            <a:r>
+              <a:rPr lang="en-US" altLang="zh-CN" sz="1600" b="0" dirty="0" err="1" smtClean="0"/>
+              <a:t>Sigar</a:t>
+            </a:r>
+            <a:r>
+              <a:rPr lang="en-US" altLang="zh-CN" sz="1600" b="0" dirty="0"/>
+              <a:t> </a:t>
+            </a:r>
+            <a:r>
+              <a:rPr lang="en-US" altLang="zh-CN" sz="1600" b="0" dirty="0" smtClean="0"/>
+              <a:t>-HW/OS Info</a:t>
+            </a:r>
+            <a:endParaRPr lang="zh-CN" altLang="en-US" sz="1600" b="0" dirty="0"/>
+          </a:p>
+        </p:txBody>
+      </p:sp>
+      <p:sp>
+        <p:nvSpPr>
+          <p:cNvPr id="33" name="流程图: 可选过程 32"/>
+          <p:cNvSpPr/>
+          <p:nvPr/>
+        </p:nvSpPr>
+        <p:spPr bwMode="auto">
+          <a:xfrm>
+            <a:off x="4438646" y="4786128"/>
+            <a:ext cx="1495429" cy="348040"/>
+          </a:xfrm>
+          <a:prstGeom prst="flowChartAlternateProcess">
+            <a:avLst/>
+          </a:prstGeom>
+          <a:solidFill>
+            <a:srgbClr val="C00000"/>
+          </a:solidFill>
+          <a:ln>
+            <a:headEnd type="none" w="med" len="med"/>
+            <a:tailEnd type="none" w="med" len="med"/>
+          </a:ln>
+        </p:spPr>
+        <p:style>
+          <a:lnRef idx="1">
+            <a:schemeClr val="accent1"/>
+          </a:lnRef>
+          <a:fillRef idx="2">
+            <a:schemeClr val="accent1"/>
+          </a:fillRef>
+          <a:effectRef idx="1">
+            <a:schemeClr val="accent1"/>
+          </a:effectRef>
+          <a:fontRef idx="minor">
+            <a:schemeClr val="dk1"/>
+          </a:fontRef>
+        </p:style>
+        <p:txBody>
+          <a:bodyPr vert="horz" wrap="square" lIns="92075" tIns="46038" rIns="92075" bIns="46038" numCol="1" rtlCol="0" anchor="t" anchorCtr="0" compatLnSpc="1">
+            <a:prstTxWarp prst="textNoShape">
+              <a:avLst/>
+            </a:prstTxWarp>
+            <a:spAutoFit/>
+          </a:bodyPr>
+          <a:lstStyle/>
+          <a:p>
+            <a:pPr marL="119063" marR="0" indent="-119063" algn="ctr" defTabSz="914400" rtl="0" eaLnBrk="1" fontAlgn="base" latinLnBrk="0" hangingPunct="1">
+              <a:lnSpc>
+                <a:spcPct val="90000"/>
+              </a:lnSpc>
+              <a:spcBef>
+                <a:spcPct val="50000"/>
+              </a:spcBef>
+              <a:spcAft>
+                <a:spcPct val="0"/>
+              </a:spcAft>
+              <a:buClr>
+                <a:schemeClr val="accent1"/>
+              </a:buClr>
+              <a:buSzTx/>
+              <a:buFontTx/>
+              <a:buNone/>
+              <a:tabLst/>
+            </a:pPr>
+            <a:r>
+              <a:rPr kumimoji="0" lang="en-US" altLang="zh-CN" sz="1600" b="0" i="0" u="none" strike="noStrike" cap="none" normalizeH="0" baseline="0" dirty="0" smtClean="0">
+                <a:ln>
+                  <a:noFill/>
+                </a:ln>
+                <a:solidFill>
+                  <a:schemeClr val="bg1"/>
+                </a:solidFill>
+                <a:effectLst/>
+                <a:latin typeface="Arial" charset="0"/>
+              </a:rPr>
+              <a:t> Web Service</a:t>
+            </a:r>
+            <a:endParaRPr kumimoji="0" lang="zh-CN" altLang="en-US" sz="1600" b="0" i="0" u="none" strike="noStrike" cap="none" normalizeH="0" baseline="0" dirty="0" smtClean="0">
+              <a:ln>
+                <a:noFill/>
+              </a:ln>
+              <a:solidFill>
+                <a:schemeClr val="bg1"/>
+              </a:solidFill>
+              <a:effectLst/>
+              <a:latin typeface="Arial" charset="0"/>
+            </a:endParaRPr>
+          </a:p>
+        </p:txBody>
+      </p:sp>
+      <p:sp>
+        <p:nvSpPr>
+          <p:cNvPr id="34" name="流程图: 可选过程 33"/>
+          <p:cNvSpPr/>
+          <p:nvPr/>
+        </p:nvSpPr>
+        <p:spPr bwMode="auto">
+          <a:xfrm>
+            <a:off x="4438646" y="4224763"/>
+            <a:ext cx="1495429" cy="348040"/>
+          </a:xfrm>
+          <a:prstGeom prst="flowChartAlternateProcess">
+            <a:avLst/>
+          </a:prstGeom>
+          <a:solidFill>
+            <a:srgbClr val="C00000"/>
+          </a:solidFill>
+          <a:ln>
+            <a:headEnd type="none" w="med" len="med"/>
+            <a:tailEnd type="none" w="med" len="med"/>
+          </a:ln>
+        </p:spPr>
+        <p:style>
+          <a:lnRef idx="1">
+            <a:schemeClr val="accent1"/>
+          </a:lnRef>
+          <a:fillRef idx="2">
+            <a:schemeClr val="accent1"/>
+          </a:fillRef>
+          <a:effectRef idx="1">
+            <a:schemeClr val="accent1"/>
+          </a:effectRef>
+          <a:fontRef idx="minor">
+            <a:schemeClr val="dk1"/>
+          </a:fontRef>
+        </p:style>
+        <p:txBody>
+          <a:bodyPr vert="horz" wrap="square" lIns="92075" tIns="46038" rIns="92075" bIns="46038" numCol="1" rtlCol="0" anchor="t" anchorCtr="0" compatLnSpc="1">
+            <a:prstTxWarp prst="textNoShape">
+              <a:avLst/>
+            </a:prstTxWarp>
+            <a:spAutoFit/>
+          </a:bodyPr>
+          <a:lstStyle/>
+          <a:p>
+            <a:pPr marL="119063" marR="0" indent="-119063" algn="ctr" defTabSz="914400" rtl="0" eaLnBrk="1" fontAlgn="base" latinLnBrk="0" hangingPunct="1">
+              <a:lnSpc>
+                <a:spcPct val="90000"/>
+              </a:lnSpc>
+              <a:spcBef>
+                <a:spcPct val="50000"/>
+              </a:spcBef>
+              <a:spcAft>
+                <a:spcPct val="0"/>
+              </a:spcAft>
+              <a:buClr>
+                <a:schemeClr val="accent1"/>
+              </a:buClr>
+              <a:buSzTx/>
+              <a:buFontTx/>
+              <a:buNone/>
+              <a:tabLst/>
+            </a:pPr>
+            <a:r>
+              <a:rPr lang="en-US" altLang="zh-CN" sz="1600" b="0" dirty="0" smtClean="0">
+                <a:solidFill>
+                  <a:schemeClr val="bg1"/>
+                </a:solidFill>
+                <a:latin typeface="Arial" charset="0"/>
+              </a:rPr>
+              <a:t>Data Source</a:t>
+            </a:r>
+            <a:endParaRPr kumimoji="0" lang="zh-CN" altLang="en-US" sz="2000" b="0" i="0" u="none" strike="noStrike" cap="none" normalizeH="0" baseline="0" dirty="0" smtClean="0">
+              <a:ln>
+                <a:noFill/>
+              </a:ln>
+              <a:solidFill>
+                <a:schemeClr val="bg1"/>
+              </a:solidFill>
+              <a:effectLst/>
+              <a:latin typeface="Arial" charset="0"/>
+            </a:endParaRPr>
+          </a:p>
+        </p:txBody>
+      </p:sp>
+      <p:sp>
+        <p:nvSpPr>
+          <p:cNvPr id="35" name="流程图: 可选过程 34"/>
+          <p:cNvSpPr/>
+          <p:nvPr/>
+        </p:nvSpPr>
+        <p:spPr bwMode="auto">
+          <a:xfrm>
+            <a:off x="171450" y="4875584"/>
+            <a:ext cx="1224222" cy="409333"/>
+          </a:xfrm>
+          <a:prstGeom prst="flowChartAlternateProcess">
+            <a:avLst/>
+          </a:prstGeom>
+          <a:solidFill>
+            <a:srgbClr val="00B050"/>
+          </a:solidFill>
+          <a:ln>
+            <a:noFill/>
+            <a:headEnd type="none" w="med" len="med"/>
+            <a:tailEnd type="none" w="med" len="med"/>
+          </a:ln>
+          <a:effectLst>
+            <a:outerShdw blurRad="76200" dir="13500000" sy="23000" kx="1200000" algn="br" rotWithShape="0">
+              <a:prstClr val="black">
+                <a:alpha val="20000"/>
+              </a:prstClr>
+            </a:outerShdw>
+          </a:effectLst>
+          <a:scene3d>
+            <a:camera prst="orthographicFront">
+              <a:rot lat="0" lon="0" rev="0"/>
+            </a:camera>
+            <a:lightRig rig="balanced" dir="t">
+              <a:rot lat="0" lon="0" rev="8700000"/>
+            </a:lightRig>
+          </a:scene3d>
+          <a:sp3d>
+            <a:bevelT w="190500" h="38100"/>
+          </a:sp3d>
+        </p:spPr>
+        <p:style>
+          <a:lnRef idx="2">
+            <a:schemeClr val="accent3">
+              <a:shade val="50000"/>
+            </a:schemeClr>
+          </a:lnRef>
+          <a:fillRef idx="1">
+            <a:schemeClr val="accent3"/>
+          </a:fillRef>
+          <a:effectRef idx="0">
+            <a:schemeClr val="accent3"/>
+          </a:effectRef>
+          <a:fontRef idx="minor">
+            <a:schemeClr val="lt1"/>
+          </a:fontRef>
+        </p:style>
+        <p:txBody>
+          <a:bodyPr vert="horz" wrap="square" lIns="92075" tIns="46038" rIns="92075" bIns="46038" numCol="1" rtlCol="0" anchor="t" anchorCtr="0" compatLnSpc="1">
+            <a:prstTxWarp prst="textNoShape">
+              <a:avLst/>
+            </a:prstTxWarp>
+            <a:spAutoFit/>
+          </a:bodyPr>
+          <a:lstStyle/>
+          <a:p>
+            <a:pPr marL="119063" marR="0" indent="-119063" algn="ctr" defTabSz="914400" rtl="0" eaLnBrk="1" fontAlgn="base" latinLnBrk="0" hangingPunct="1">
+              <a:lnSpc>
+                <a:spcPct val="90000"/>
+              </a:lnSpc>
+              <a:spcBef>
+                <a:spcPct val="50000"/>
+              </a:spcBef>
+              <a:spcAft>
+                <a:spcPct val="0"/>
+              </a:spcAft>
+              <a:buClr>
+                <a:schemeClr val="accent1"/>
+              </a:buClr>
+              <a:buSzTx/>
+              <a:buFontTx/>
+              <a:buNone/>
+              <a:tabLst/>
+            </a:pPr>
+            <a:r>
+              <a:rPr lang="zh-CN" altLang="en-US" b="0" dirty="0">
+                <a:solidFill>
+                  <a:schemeClr val="tx1"/>
+                </a:solidFill>
+                <a:latin typeface="Arial" charset="0"/>
+              </a:rPr>
+              <a:t>数据库</a:t>
+            </a:r>
+            <a:endParaRPr kumimoji="0" lang="zh-CN" altLang="en-US" sz="2000" b="0" i="0" u="none" strike="noStrike" cap="none" normalizeH="0" baseline="0" dirty="0" smtClean="0">
+              <a:ln>
+                <a:noFill/>
+              </a:ln>
+              <a:solidFill>
+                <a:schemeClr val="tx1"/>
+              </a:solidFill>
+              <a:effectLst/>
+              <a:latin typeface="Arial" charset="0"/>
+            </a:endParaRPr>
+          </a:p>
+        </p:txBody>
+      </p:sp>
+      <p:cxnSp>
+        <p:nvCxnSpPr>
+          <p:cNvPr id="36" name="肘形连接符 35"/>
+          <p:cNvCxnSpPr>
+            <a:stCxn id="35" idx="3"/>
+          </p:cNvCxnSpPr>
+          <p:nvPr/>
+        </p:nvCxnSpPr>
+        <p:spPr bwMode="auto">
+          <a:xfrm flipV="1">
+            <a:off x="1395672" y="4398783"/>
+            <a:ext cx="2957282" cy="681468"/>
+          </a:xfrm>
+          <a:prstGeom prst="bentConnector3">
+            <a:avLst>
+              <a:gd name="adj1" fmla="val 80598"/>
+            </a:avLst>
+          </a:prstGeom>
+          <a:noFill/>
+          <a:ln w="9525" cap="flat" cmpd="sng" algn="ctr">
+            <a:solidFill>
+              <a:schemeClr val="tx1"/>
+            </a:solidFill>
+            <a:prstDash val="solid"/>
+            <a:round/>
+            <a:headEnd type="none" w="med" len="med"/>
+            <a:tailEnd type="arrow"/>
+          </a:ln>
+          <a:effectLst/>
+        </p:spPr>
+      </p:cxnSp>
+      <p:sp>
+        <p:nvSpPr>
+          <p:cNvPr id="44" name="TextBox 43"/>
+          <p:cNvSpPr txBox="1"/>
+          <p:nvPr/>
+        </p:nvSpPr>
+        <p:spPr>
+          <a:xfrm>
+            <a:off x="1537080" y="4786128"/>
+            <a:ext cx="2064989" cy="313932"/>
+          </a:xfrm>
+          <a:prstGeom prst="rect">
+            <a:avLst/>
+          </a:prstGeom>
+          <a:noFill/>
+          <a:ln>
+            <a:noFill/>
+          </a:ln>
+          <a:effectLst>
+            <a:outerShdw blurRad="57785" dist="33020" dir="3180000" algn="ctr">
+              <a:srgbClr val="000000">
+                <a:alpha val="30000"/>
+              </a:srgbClr>
+            </a:outerShdw>
+          </a:effectLst>
+          <a:scene3d>
+            <a:camera prst="orthographicFront">
+              <a:rot lat="0" lon="0" rev="0"/>
+            </a:camera>
+            <a:lightRig rig="brightRoom" dir="t">
+              <a:rot lat="0" lon="0" rev="600000"/>
+            </a:lightRig>
+          </a:scene3d>
+          <a:sp3d prstMaterial="metal">
+            <a:bevelT w="38100" h="57150" prst="angle"/>
+          </a:sp3d>
+        </p:spPr>
+        <p:txBody>
+          <a:bodyPr wrap="none" rtlCol="0">
+            <a:spAutoFit/>
+          </a:bodyPr>
+          <a:lstStyle/>
+          <a:p>
+            <a:r>
+              <a:rPr lang="en-US" altLang="zh-CN" sz="1600" b="0" dirty="0" smtClean="0"/>
+              <a:t>JDBC/AQ –</a:t>
+            </a:r>
+            <a:r>
+              <a:rPr lang="zh-CN" altLang="en-US" sz="1600" b="0" dirty="0" smtClean="0"/>
+              <a:t>动态视图</a:t>
+            </a:r>
+            <a:endParaRPr lang="zh-CN" altLang="en-US" sz="1600" b="0" dirty="0"/>
+          </a:p>
+        </p:txBody>
+      </p:sp>
+      <p:cxnSp>
+        <p:nvCxnSpPr>
+          <p:cNvPr id="58" name="肘形连接符 57"/>
+          <p:cNvCxnSpPr>
+            <a:stCxn id="61" idx="3"/>
+          </p:cNvCxnSpPr>
+          <p:nvPr/>
+        </p:nvCxnSpPr>
+        <p:spPr bwMode="auto">
+          <a:xfrm flipV="1">
+            <a:off x="2664616" y="4960173"/>
+            <a:ext cx="1688338" cy="943925"/>
+          </a:xfrm>
+          <a:prstGeom prst="bentConnector3">
+            <a:avLst>
+              <a:gd name="adj1" fmla="val 84978"/>
+            </a:avLst>
+          </a:prstGeom>
+          <a:noFill/>
+          <a:ln w="9525" cap="flat" cmpd="sng" algn="ctr">
+            <a:solidFill>
+              <a:schemeClr val="tx1"/>
+            </a:solidFill>
+            <a:prstDash val="solid"/>
+            <a:round/>
+            <a:headEnd type="none" w="med" len="med"/>
+            <a:tailEnd type="arrow"/>
+          </a:ln>
+          <a:effectLst/>
+        </p:spPr>
+      </p:cxnSp>
+      <p:sp>
+        <p:nvSpPr>
+          <p:cNvPr id="61" name="流程图: 可选过程 60"/>
+          <p:cNvSpPr/>
+          <p:nvPr/>
+        </p:nvSpPr>
+        <p:spPr bwMode="auto">
+          <a:xfrm>
+            <a:off x="783561" y="5699431"/>
+            <a:ext cx="1881055" cy="409333"/>
+          </a:xfrm>
+          <a:prstGeom prst="flowChartAlternateProcess">
+            <a:avLst/>
+          </a:prstGeom>
+          <a:solidFill>
+            <a:schemeClr val="bg2">
+              <a:lumMod val="40000"/>
+              <a:lumOff val="60000"/>
+            </a:schemeClr>
+          </a:solidFill>
+          <a:ln>
+            <a:noFill/>
+            <a:headEnd type="none" w="med" len="med"/>
+            <a:tailEnd type="none" w="med" len="med"/>
+          </a:ln>
+          <a:effectLst>
+            <a:outerShdw blurRad="149987" dist="250190" dir="8460000" algn="ctr">
+              <a:srgbClr val="000000">
+                <a:alpha val="28000"/>
+              </a:srgbClr>
+            </a:outerShdw>
+          </a:effectLst>
+          <a:scene3d>
+            <a:camera prst="orthographicFront">
+              <a:rot lat="0" lon="0" rev="0"/>
+            </a:camera>
+            <a:lightRig rig="contrasting" dir="t">
+              <a:rot lat="0" lon="0" rev="1500000"/>
+            </a:lightRig>
+          </a:scene3d>
+          <a:sp3d prstMaterial="metal">
+            <a:bevelT w="88900" h="88900"/>
+          </a:sp3d>
+        </p:spPr>
+        <p:style>
+          <a:lnRef idx="2">
+            <a:schemeClr val="accent3">
+              <a:shade val="50000"/>
+            </a:schemeClr>
+          </a:lnRef>
+          <a:fillRef idx="1">
+            <a:schemeClr val="accent3"/>
+          </a:fillRef>
+          <a:effectRef idx="0">
+            <a:schemeClr val="accent3"/>
+          </a:effectRef>
+          <a:fontRef idx="minor">
+            <a:schemeClr val="lt1"/>
+          </a:fontRef>
+        </p:style>
+        <p:txBody>
+          <a:bodyPr vert="horz" wrap="square" lIns="92075" tIns="46038" rIns="92075" bIns="46038" numCol="1" rtlCol="0" anchor="t" anchorCtr="0" compatLnSpc="1">
+            <a:prstTxWarp prst="textNoShape">
+              <a:avLst/>
+            </a:prstTxWarp>
+            <a:spAutoFit/>
+          </a:bodyPr>
+          <a:lstStyle/>
+          <a:p>
+            <a:pPr marL="119063" marR="0" indent="-119063" algn="ctr" defTabSz="914400" rtl="0" eaLnBrk="1" fontAlgn="base" latinLnBrk="0" hangingPunct="1">
+              <a:lnSpc>
+                <a:spcPct val="90000"/>
+              </a:lnSpc>
+              <a:spcBef>
+                <a:spcPct val="50000"/>
+              </a:spcBef>
+              <a:spcAft>
+                <a:spcPct val="0"/>
+              </a:spcAft>
+              <a:buClr>
+                <a:schemeClr val="accent1"/>
+              </a:buClr>
+              <a:buSzTx/>
+              <a:buFontTx/>
+              <a:buNone/>
+              <a:tabLst/>
+            </a:pPr>
+            <a:r>
+              <a:rPr kumimoji="0" lang="zh-CN" altLang="en-US" sz="2000" b="1" i="0" u="none" strike="noStrike" cap="none" normalizeH="0" baseline="0" dirty="0" smtClean="0">
+                <a:ln>
+                  <a:noFill/>
+                </a:ln>
+                <a:solidFill>
+                  <a:schemeClr val="tx1"/>
+                </a:solidFill>
+                <a:effectLst/>
+                <a:latin typeface="Arial" charset="0"/>
+              </a:rPr>
+              <a:t>分析模型导入</a:t>
+            </a:r>
+            <a:endParaRPr kumimoji="0" lang="zh-CN" altLang="en-US" sz="2000" b="1" i="0" u="none" strike="noStrike" cap="none" normalizeH="0" baseline="0" dirty="0" smtClean="0">
+              <a:ln>
+                <a:noFill/>
+              </a:ln>
+              <a:solidFill>
+                <a:schemeClr val="tx1"/>
+              </a:solidFill>
+              <a:effectLst/>
+              <a:latin typeface="Arial" charset="0"/>
+            </a:endParaRPr>
+          </a:p>
+        </p:txBody>
+      </p:sp>
+      <p:grpSp>
+        <p:nvGrpSpPr>
+          <p:cNvPr id="1031" name="组合 1030"/>
+          <p:cNvGrpSpPr/>
+          <p:nvPr/>
+        </p:nvGrpSpPr>
+        <p:grpSpPr>
+          <a:xfrm>
+            <a:off x="4445280" y="2164756"/>
+            <a:ext cx="406265" cy="1584203"/>
+            <a:chOff x="4464330" y="2164756"/>
+            <a:chExt cx="406265" cy="1584203"/>
+          </a:xfrm>
+        </p:grpSpPr>
+        <p:sp>
+          <p:nvSpPr>
+            <p:cNvPr id="20" name="流程图: 可选过程 19"/>
+            <p:cNvSpPr/>
+            <p:nvPr/>
+          </p:nvSpPr>
+          <p:spPr bwMode="auto">
+            <a:xfrm>
+              <a:off x="4495796" y="2164756"/>
+              <a:ext cx="362384" cy="1584203"/>
+            </a:xfrm>
+            <a:prstGeom prst="flowChartAlternateProcess">
+              <a:avLst/>
+            </a:prstGeom>
+            <a:solidFill>
+              <a:srgbClr val="C00000"/>
+            </a:solidFill>
+            <a:ln>
+              <a:headEnd type="none" w="med" len="med"/>
+              <a:tailEnd type="none" w="med" len="med"/>
+            </a:ln>
+          </p:spPr>
+          <p:style>
+            <a:lnRef idx="1">
+              <a:schemeClr val="accent1"/>
+            </a:lnRef>
+            <a:fillRef idx="2">
+              <a:schemeClr val="accent1"/>
+            </a:fillRef>
+            <a:effectRef idx="1">
+              <a:schemeClr val="accent1"/>
+            </a:effectRef>
+            <a:fontRef idx="minor">
+              <a:schemeClr val="dk1"/>
+            </a:fontRef>
+          </p:style>
+          <p:txBody>
+            <a:bodyPr vert="horz" wrap="square" lIns="92075" tIns="46038" rIns="92075" bIns="46038" numCol="1" rtlCol="0" anchor="t" anchorCtr="0" compatLnSpc="1">
+              <a:prstTxWarp prst="textNoShape">
+                <a:avLst/>
+              </a:prstTxWarp>
+              <a:noAutofit/>
+            </a:bodyPr>
+            <a:lstStyle/>
+            <a:p>
+              <a:pPr marL="119063" marR="0" indent="-119063" algn="ctr" defTabSz="914400" rtl="0" eaLnBrk="1" fontAlgn="base" latinLnBrk="0" hangingPunct="1">
+                <a:lnSpc>
+                  <a:spcPct val="90000"/>
+                </a:lnSpc>
+                <a:spcBef>
+                  <a:spcPct val="50000"/>
+                </a:spcBef>
+                <a:spcAft>
+                  <a:spcPct val="0"/>
+                </a:spcAft>
+                <a:buClr>
+                  <a:schemeClr val="accent1"/>
+                </a:buClr>
+                <a:buSzTx/>
+                <a:buFontTx/>
+                <a:buNone/>
+                <a:tabLst/>
+              </a:pPr>
+              <a:r>
+                <a:rPr kumimoji="0" lang="en-US" altLang="zh-CN" sz="2000" b="1" i="0" u="none" strike="noStrike" cap="none" normalizeH="0" baseline="0" dirty="0" smtClean="0">
+                  <a:ln>
+                    <a:noFill/>
+                  </a:ln>
+                  <a:solidFill>
+                    <a:schemeClr val="tx1"/>
+                  </a:solidFill>
+                  <a:effectLst/>
+                  <a:latin typeface="Arial" charset="0"/>
+                </a:rPr>
+                <a:t> </a:t>
+              </a:r>
+              <a:endParaRPr lang="en-US" altLang="zh-CN" b="0" dirty="0">
+                <a:solidFill>
+                  <a:schemeClr val="tx1"/>
+                </a:solidFill>
+                <a:latin typeface="Arial" charset="0"/>
+              </a:endParaRPr>
+            </a:p>
+          </p:txBody>
+        </p:sp>
+        <p:sp>
+          <p:nvSpPr>
+            <p:cNvPr id="1027" name="TextBox 1026"/>
+            <p:cNvSpPr txBox="1"/>
+            <p:nvPr/>
+          </p:nvSpPr>
+          <p:spPr>
+            <a:xfrm>
+              <a:off x="4464330" y="2278305"/>
+              <a:ext cx="406265" cy="1357103"/>
+            </a:xfrm>
+            <a:prstGeom prst="rect">
+              <a:avLst/>
+            </a:prstGeom>
+            <a:noFill/>
+          </p:spPr>
+          <p:txBody>
+            <a:bodyPr vert="eaVert" wrap="none" rtlCol="0">
+              <a:spAutoFit/>
+            </a:bodyPr>
+            <a:lstStyle/>
+            <a:p>
+              <a:r>
+                <a:rPr lang="en-US" altLang="zh-CN" sz="1600" b="0" dirty="0" smtClean="0">
+                  <a:solidFill>
+                    <a:schemeClr val="bg1"/>
+                  </a:solidFill>
+                </a:rPr>
+                <a:t>Probe Control</a:t>
+              </a:r>
+              <a:endParaRPr lang="zh-CN" altLang="en-US" sz="1600" b="0" dirty="0">
+                <a:solidFill>
+                  <a:schemeClr val="bg1"/>
+                </a:solidFill>
+              </a:endParaRPr>
+            </a:p>
+          </p:txBody>
+        </p:sp>
+      </p:grpSp>
+      <p:sp>
+        <p:nvSpPr>
+          <p:cNvPr id="71" name="圆角矩形 70"/>
+          <p:cNvSpPr/>
+          <p:nvPr/>
+        </p:nvSpPr>
+        <p:spPr bwMode="auto">
+          <a:xfrm>
+            <a:off x="6213589" y="4604944"/>
+            <a:ext cx="1136479" cy="1022267"/>
+          </a:xfrm>
+          <a:prstGeom prst="roundRect">
+            <a:avLst/>
+          </a:prstGeom>
+          <a:solidFill>
+            <a:schemeClr val="accent1">
+              <a:lumMod val="75000"/>
+            </a:schemeClr>
+          </a:solidFill>
+          <a:ln>
+            <a:headEnd type="none" w="med" len="med"/>
+            <a:tailEnd type="none" w="med" len="med"/>
+          </a:ln>
+        </p:spPr>
+        <p:style>
+          <a:lnRef idx="1">
+            <a:schemeClr val="accent5"/>
+          </a:lnRef>
+          <a:fillRef idx="2">
+            <a:schemeClr val="accent5"/>
+          </a:fillRef>
+          <a:effectRef idx="1">
+            <a:schemeClr val="accent5"/>
+          </a:effectRef>
+          <a:fontRef idx="minor">
+            <a:schemeClr val="dk1"/>
+          </a:fontRef>
+        </p:style>
+        <p:txBody>
+          <a:bodyPr vert="horz" wrap="square" lIns="92075" tIns="46038" rIns="92075" bIns="46038" numCol="1" rtlCol="0" anchor="t" anchorCtr="0" compatLnSpc="1">
+            <a:prstTxWarp prst="textNoShape">
+              <a:avLst/>
+            </a:prstTxWarp>
+            <a:spAutoFit/>
+          </a:bodyPr>
+          <a:lstStyle/>
+          <a:p>
+            <a:pPr marL="119063" marR="0" indent="-119063" algn="ctr" defTabSz="914400" rtl="0" eaLnBrk="1" fontAlgn="base" latinLnBrk="0" hangingPunct="1">
+              <a:lnSpc>
+                <a:spcPct val="90000"/>
+              </a:lnSpc>
+              <a:spcBef>
+                <a:spcPct val="50000"/>
+              </a:spcBef>
+              <a:spcAft>
+                <a:spcPct val="0"/>
+              </a:spcAft>
+              <a:buClr>
+                <a:schemeClr val="accent1"/>
+              </a:buClr>
+              <a:buSzTx/>
+              <a:buFontTx/>
+              <a:buNone/>
+              <a:tabLst/>
+            </a:pPr>
+            <a:r>
+              <a:rPr lang="en-US" altLang="zh-CN" dirty="0" smtClean="0">
+                <a:solidFill>
+                  <a:schemeClr val="tx1"/>
+                </a:solidFill>
+                <a:latin typeface="Arial" charset="0"/>
+              </a:rPr>
+              <a:t>	</a:t>
+            </a:r>
+            <a:r>
+              <a:rPr lang="zh-CN" altLang="en-US" dirty="0" smtClean="0">
+                <a:solidFill>
+                  <a:schemeClr val="tx1"/>
+                </a:solidFill>
+                <a:latin typeface="Arial" charset="0"/>
+              </a:rPr>
+              <a:t>数据分析核心</a:t>
+            </a:r>
+            <a:endParaRPr kumimoji="0" lang="zh-CN" altLang="en-US" sz="2000" b="1" i="0" u="none" strike="noStrike" cap="none" normalizeH="0" baseline="0" dirty="0" smtClean="0">
+              <a:ln>
+                <a:noFill/>
+              </a:ln>
+              <a:solidFill>
+                <a:schemeClr val="tx1"/>
+              </a:solidFill>
+              <a:effectLst/>
+              <a:latin typeface="Arial" charset="0"/>
+            </a:endParaRPr>
+          </a:p>
+        </p:txBody>
+      </p:sp>
+      <p:sp>
+        <p:nvSpPr>
+          <p:cNvPr id="74" name="TextBox 73"/>
+          <p:cNvSpPr txBox="1"/>
+          <p:nvPr/>
+        </p:nvSpPr>
+        <p:spPr>
+          <a:xfrm>
+            <a:off x="3004924" y="5542465"/>
+            <a:ext cx="1175322" cy="313932"/>
+          </a:xfrm>
+          <a:prstGeom prst="rect">
+            <a:avLst/>
+          </a:prstGeom>
+          <a:noFill/>
+          <a:ln>
+            <a:noFill/>
+          </a:ln>
+          <a:effectLst>
+            <a:outerShdw blurRad="57785" dist="33020" dir="3180000" algn="ctr">
+              <a:srgbClr val="000000">
+                <a:alpha val="30000"/>
+              </a:srgbClr>
+            </a:outerShdw>
+          </a:effectLst>
+          <a:scene3d>
+            <a:camera prst="orthographicFront">
+              <a:rot lat="0" lon="0" rev="0"/>
+            </a:camera>
+            <a:lightRig rig="brightRoom" dir="t">
+              <a:rot lat="0" lon="0" rev="600000"/>
+            </a:lightRig>
+          </a:scene3d>
+          <a:sp3d prstMaterial="metal">
+            <a:bevelT w="38100" h="57150" prst="angle"/>
+          </a:sp3d>
+        </p:spPr>
+        <p:txBody>
+          <a:bodyPr wrap="none" rtlCol="0">
+            <a:spAutoFit/>
+          </a:bodyPr>
+          <a:lstStyle/>
+          <a:p>
+            <a:r>
+              <a:rPr lang="en-US" altLang="zh-CN" sz="1600" b="0" dirty="0" smtClean="0"/>
+              <a:t>SOAPXML</a:t>
+            </a:r>
+            <a:endParaRPr lang="zh-CN" altLang="en-US" sz="1600" b="0" dirty="0"/>
+          </a:p>
+        </p:txBody>
+      </p:sp>
+    </p:spTree>
+    <p:extLst>
+      <p:ext uri="{BB962C8B-B14F-4D97-AF65-F5344CB8AC3E}">
+        <p14:creationId xmlns:p14="http://schemas.microsoft.com/office/powerpoint/2010/main" val="3399449691"/>
+      </p:ext>
+    </p:extLst>
+  </p:cSld>
+  <p:clrMapOvr>
+    <a:masterClrMapping/>
+  </p:clrMapOvr>
+  <p:transition>
+    <p:wipe dir="r"/>
+  </p:transition>
+</p:sld>
+</file>
+
 <file path=ppt/theme/theme1.xml><?xml version="1.0" encoding="utf-8"?>
 <a:theme xmlns:a="http://schemas.openxmlformats.org/drawingml/2006/main" name="Blank Presentation">
   <a:themeElements>
@@ -22465,65 +24481,34 @@
     </a:spDef>
     <a:lnDef>
       <a:spPr bwMode="auto">
-        <a:xfrm>
-          <a:off x="0" y="0"/>
-          <a:ext cx="1" cy="1"/>
-        </a:xfrm>
-        <a:custGeom>
-          <a:avLst/>
-          <a:gdLst/>
-          <a:ahLst/>
-          <a:cxnLst/>
-          <a:rect l="0" t="0" r="0" b="0"/>
-          <a:pathLst/>
-        </a:custGeom>
         <a:noFill/>
         <a:ln w="9525" cap="flat" cmpd="sng" algn="ctr">
-          <a:noFill/>
+          <a:solidFill>
+            <a:schemeClr val="tx1"/>
+          </a:solidFill>
           <a:prstDash val="solid"/>
           <a:round/>
           <a:headEnd type="none" w="med" len="med"/>
-          <a:tailEnd type="none" w="med" len="med"/>
+          <a:tailEnd type="arrow"/>
         </a:ln>
         <a:effectLst/>
       </a:spPr>
-      <a:bodyPr vert="horz" wrap="square" lIns="92075" tIns="46038" rIns="92075" bIns="46038" numCol="1" anchor="t" anchorCtr="0" compatLnSpc="1">
-        <a:prstTxWarp prst="textNoShape">
-          <a:avLst/>
-        </a:prstTxWarp>
+      <a:bodyPr/>
+      <a:lstStyle/>
+    </a:lnDef>
+    <a:txDef>
+      <a:spPr>
+        <a:noFill/>
+      </a:spPr>
+      <a:bodyPr wrap="none" rtlCol="0">
         <a:spAutoFit/>
       </a:bodyPr>
       <a:lstStyle>
-        <a:defPPr marL="119063" marR="0" indent="-119063" algn="ctr" defTabSz="914400" rtl="0" eaLnBrk="1" fontAlgn="base" latinLnBrk="0" hangingPunct="1">
-          <a:lnSpc>
-            <a:spcPct val="90000"/>
-          </a:lnSpc>
-          <a:spcBef>
-            <a:spcPct val="50000"/>
-          </a:spcBef>
-          <a:spcAft>
-            <a:spcPct val="0"/>
-          </a:spcAft>
-          <a:buClr>
-            <a:schemeClr val="accent1"/>
-          </a:buClr>
-          <a:buSzTx/>
-          <a:buFontTx/>
-          <a:buNone/>
-          <a:tabLst/>
-          <a:defRPr kumimoji="0" lang="en-US" sz="2000" b="1" i="0" u="none" strike="noStrike" cap="none" normalizeH="0" baseline="0" smtClean="0">
-            <a:ln>
-              <a:noFill/>
-            </a:ln>
-            <a:solidFill>
-              <a:schemeClr val="tx1"/>
-            </a:solidFill>
-            <a:effectLst/>
-            <a:latin typeface="Arial" charset="0"/>
-          </a:defRPr>
+        <a:defPPr>
+          <a:defRPr sz="1600" b="0" dirty="0"/>
         </a:defPPr>
       </a:lstStyle>
-    </a:lnDef>
+    </a:txDef>
   </a:objectDefaults>
   <a:extraClrSchemeLst>
     <a:extraClrScheme>
